--- a/present/ตัวอย่างไฟล์นำเสนอ.pptx
+++ b/present/ตัวอย่างไฟล์นำเสนอ.pptx
@@ -7,7 +7,6 @@
   <p:sldIdLst>
     <p:sldId id="256" r:id="rId2"/>
     <p:sldId id="257" r:id="rId3"/>
-    <p:sldId id="258" r:id="rId4"/>
   </p:sldIdLst>
   <p:sldSz cx="12192000" cy="6858000"/>
   <p:notesSz cx="6858000" cy="9144000"/>
@@ -3475,14 +3474,14 @@
             <p:ph idx="1"/>
             <p:extLst>
               <p:ext uri="{D42A27DB-BD31-4B8C-83A1-F6EECF244321}">
-                <p14:modId xmlns:p14="http://schemas.microsoft.com/office/powerpoint/2010/main" val="1089704681"/>
+                <p14:modId xmlns:p14="http://schemas.microsoft.com/office/powerpoint/2010/main" val="2573709266"/>
               </p:ext>
             </p:extLst>
           </p:nvPr>
         </p:nvGraphicFramePr>
         <p:xfrm>
           <a:off x="789709" y="2698462"/>
-          <a:ext cx="10515600" cy="1854200"/>
+          <a:ext cx="10515600" cy="3439160"/>
         </p:xfrm>
         <a:graphic>
           <a:graphicData uri="http://schemas.openxmlformats.org/drawingml/2006/table">
@@ -3706,9 +3705,12 @@
                     <a:lstStyle/>
                     <a:p>
                       <a:r>
-                        <a:rPr lang="en-US" dirty="0"/>
-                        <a:t>CPU</a:t>
+                        <a:rPr lang="en-US" dirty="0">
+                          <a:effectLst/>
+                        </a:rPr>
+                        <a:t>band</a:t>
                       </a:r>
+                      <a:endParaRPr lang="en-US" dirty="0"/>
                     </a:p>
                   </a:txBody>
                   <a:tcPr/>
@@ -3718,9 +3720,28 @@
                     <a:bodyPr/>
                     <a:lstStyle/>
                     <a:p>
+                      <a:pPr marL="0" marR="0" lvl="0" indent="0" algn="l" defTabSz="914400" rtl="0" eaLnBrk="1" fontAlgn="auto" latinLnBrk="0" hangingPunct="1">
+                        <a:lnSpc>
+                          <a:spcPct val="100000"/>
+                        </a:lnSpc>
+                        <a:spcBef>
+                          <a:spcPts val="0"/>
+                        </a:spcBef>
+                        <a:spcAft>
+                          <a:spcPts val="0"/>
+                        </a:spcAft>
+                        <a:buClrTx/>
+                        <a:buSzTx/>
+                        <a:buFontTx/>
+                        <a:buNone/>
+                        <a:tabLst/>
+                        <a:defRPr/>
+                      </a:pPr>
                       <a:r>
-                        <a:rPr lang="en-US" dirty="0"/>
-                        <a:t>String</a:t>
+                        <a:rPr lang="en-US" dirty="0">
+                          <a:effectLst/>
+                        </a:rPr>
+                        <a:t>VARCHAR (255),</a:t>
                       </a:r>
                     </a:p>
                   </a:txBody>
@@ -3746,13 +3767,8 @@
                     <a:p>
                       <a:r>
                         <a:rPr lang="en-US" dirty="0"/>
-                        <a:t>Intel i9 </a:t>
+                        <a:t>NIKE </a:t>
                       </a:r>
-                      <a:r>
-                        <a:rPr lang="en-US" dirty="0" err="1"/>
-                        <a:t>GenXX</a:t>
-                      </a:r>
-                      <a:endParaRPr lang="en-US" dirty="0"/>
                     </a:p>
                   </a:txBody>
                   <a:tcPr/>
@@ -3783,9 +3799,12 @@
                     <a:lstStyle/>
                     <a:p>
                       <a:r>
-                        <a:rPr lang="en-US" dirty="0"/>
-                        <a:t>RAM</a:t>
+                        <a:rPr lang="en-US" dirty="0">
+                          <a:effectLst/>
+                        </a:rPr>
+                        <a:t>pictures</a:t>
                       </a:r>
+                      <a:endParaRPr lang="en-US" dirty="0"/>
                     </a:p>
                   </a:txBody>
                   <a:tcPr/>
@@ -3797,7 +3816,7 @@
                     <a:p>
                       <a:r>
                         <a:rPr lang="en-US" dirty="0"/>
-                        <a:t>String</a:t>
+                        <a:t>TEXT</a:t>
                       </a:r>
                     </a:p>
                   </a:txBody>
@@ -3822,18 +3841,9 @@
                     <a:lstStyle/>
                     <a:p>
                       <a:r>
-                        <a:rPr lang="en-US" dirty="0" err="1"/>
-                        <a:t>Corrair</a:t>
+                        <a:rPr lang="en-US" sz="1400" dirty="0"/>
+                        <a:t>https://down-th.img.susercontent.com/file/sg-11134202-7rdwp-ly52skmsuzag61_tn.webp</a:t>
                       </a:r>
-                      <a:r>
-                        <a:rPr lang="en-US" dirty="0"/>
-                        <a:t> </a:t>
-                      </a:r>
-                      <a:r>
-                        <a:rPr lang="en-US" dirty="0" err="1"/>
-                        <a:t>ModelX</a:t>
-                      </a:r>
-                      <a:endParaRPr lang="en-US" dirty="0"/>
                     </a:p>
                   </a:txBody>
                   <a:tcPr/>
@@ -3864,9 +3874,12 @@
                     <a:lstStyle/>
                     <a:p>
                       <a:r>
-                        <a:rPr lang="en-US" dirty="0"/>
-                        <a:t>HDD</a:t>
+                        <a:rPr lang="en-US" dirty="0">
+                          <a:effectLst/>
+                        </a:rPr>
+                        <a:t>content </a:t>
                       </a:r>
+                      <a:endParaRPr lang="en-US" dirty="0"/>
                     </a:p>
                   </a:txBody>
                   <a:tcPr/>
@@ -3878,7 +3891,7 @@
                     <a:p>
                       <a:r>
                         <a:rPr lang="en-US" dirty="0"/>
-                        <a:t>String</a:t>
+                        <a:t>TEXT</a:t>
                       </a:r>
                     </a:p>
                   </a:txBody>
@@ -3904,11 +3917,19 @@
                     <a:p>
                       <a:r>
                         <a:rPr lang="en-US" dirty="0"/>
-                        <a:t>WD Black </a:t>
+                        <a:t>NIKE </a:t>
                       </a:r>
                       <a:r>
                         <a:rPr lang="en-US" dirty="0" err="1"/>
-                        <a:t>ModelX</a:t>
+                        <a:t>Dri</a:t>
+                      </a:r>
+                      <a:r>
+                        <a:rPr lang="en-US" dirty="0"/>
+                        <a:t>-FIT Club </a:t>
+                      </a:r>
+                      <a:r>
+                        <a:rPr lang="th-TH" dirty="0"/>
+                        <a:t>หมวกแก๊ปผู้ใหญ่</a:t>
                       </a:r>
                       <a:endParaRPr lang="en-US" dirty="0"/>
                     </a:p>
@@ -3921,6 +3942,192 @@
                   </a:ext>
                 </a:extLst>
               </a:tr>
+              <a:tr h="370840">
+                <a:tc>
+                  <a:txBody>
+                    <a:bodyPr/>
+                    <a:lstStyle/>
+                    <a:p>
+                      <a:endParaRPr lang="en-US" dirty="0"/>
+                    </a:p>
+                  </a:txBody>
+                  <a:tcPr/>
+                </a:tc>
+                <a:tc>
+                  <a:txBody>
+                    <a:bodyPr/>
+                    <a:lstStyle/>
+                    <a:p>
+                      <a:r>
+                        <a:rPr lang="en-US" dirty="0">
+                          <a:effectLst/>
+                        </a:rPr>
+                        <a:t>category </a:t>
+                      </a:r>
+                      <a:endParaRPr lang="en-US" dirty="0"/>
+                    </a:p>
+                  </a:txBody>
+                  <a:tcPr/>
+                </a:tc>
+                <a:tc>
+                  <a:txBody>
+                    <a:bodyPr/>
+                    <a:lstStyle/>
+                    <a:p>
+                      <a:pPr marL="0" marR="0" lvl="0" indent="0" algn="l" defTabSz="914400" rtl="0" eaLnBrk="1" fontAlgn="auto" latinLnBrk="0" hangingPunct="1">
+                        <a:lnSpc>
+                          <a:spcPct val="100000"/>
+                        </a:lnSpc>
+                        <a:spcBef>
+                          <a:spcPts val="0"/>
+                        </a:spcBef>
+                        <a:spcAft>
+                          <a:spcPts val="0"/>
+                        </a:spcAft>
+                        <a:buClrTx/>
+                        <a:buSzTx/>
+                        <a:buFontTx/>
+                        <a:buNone/>
+                        <a:tabLst/>
+                        <a:defRPr/>
+                      </a:pPr>
+                      <a:r>
+                        <a:rPr lang="en-US" dirty="0">
+                          <a:effectLst/>
+                        </a:rPr>
+                        <a:t>VARCHAR (255),</a:t>
+                      </a:r>
+                    </a:p>
+                  </a:txBody>
+                  <a:tcPr/>
+                </a:tc>
+                <a:tc>
+                  <a:txBody>
+                    <a:bodyPr/>
+                    <a:lstStyle/>
+                    <a:p>
+                      <a:r>
+                        <a:rPr lang="en-US" dirty="0"/>
+                        <a:t>-</a:t>
+                      </a:r>
+                    </a:p>
+                  </a:txBody>
+                  <a:tcPr/>
+                </a:tc>
+                <a:tc>
+                  <a:txBody>
+                    <a:bodyPr/>
+                    <a:lstStyle/>
+                    <a:p>
+                      <a:r>
+                        <a:rPr lang="en-US" dirty="0" err="1"/>
+                        <a:t>Dri</a:t>
+                      </a:r>
+                      <a:r>
+                        <a:rPr lang="en-US" dirty="0"/>
+                        <a:t>-FIT Club</a:t>
+                      </a:r>
+                    </a:p>
+                  </a:txBody>
+                  <a:tcPr/>
+                </a:tc>
+                <a:extLst>
+                  <a:ext uri="{0D108BD9-81ED-4DB2-BD59-A6C34878D82A}">
+                    <a16:rowId xmlns:a16="http://schemas.microsoft.com/office/drawing/2014/main" val="4105716720"/>
+                  </a:ext>
+                </a:extLst>
+              </a:tr>
+              <a:tr h="370840">
+                <a:tc>
+                  <a:txBody>
+                    <a:bodyPr/>
+                    <a:lstStyle/>
+                    <a:p>
+                      <a:endParaRPr lang="en-US" dirty="0"/>
+                    </a:p>
+                  </a:txBody>
+                  <a:tcPr/>
+                </a:tc>
+                <a:tc>
+                  <a:txBody>
+                    <a:bodyPr/>
+                    <a:lstStyle/>
+                    <a:p>
+                      <a:r>
+                        <a:rPr lang="en-US" dirty="0">
+                          <a:effectLst/>
+                        </a:rPr>
+                        <a:t>status</a:t>
+                      </a:r>
+                      <a:endParaRPr lang="en-US" dirty="0"/>
+                    </a:p>
+                  </a:txBody>
+                  <a:tcPr/>
+                </a:tc>
+                <a:tc>
+                  <a:txBody>
+                    <a:bodyPr/>
+                    <a:lstStyle/>
+                    <a:p>
+                      <a:pPr marL="0" marR="0" lvl="0" indent="0" algn="l" defTabSz="914400" rtl="0" eaLnBrk="1" fontAlgn="auto" latinLnBrk="0" hangingPunct="1">
+                        <a:lnSpc>
+                          <a:spcPct val="100000"/>
+                        </a:lnSpc>
+                        <a:spcBef>
+                          <a:spcPts val="0"/>
+                        </a:spcBef>
+                        <a:spcAft>
+                          <a:spcPts val="0"/>
+                        </a:spcAft>
+                        <a:buClrTx/>
+                        <a:buSzTx/>
+                        <a:buFontTx/>
+                        <a:buNone/>
+                        <a:tabLst/>
+                        <a:defRPr/>
+                      </a:pPr>
+                      <a:r>
+                        <a:rPr lang="en-US" dirty="0">
+                          <a:effectLst/>
+                        </a:rPr>
+                        <a:t>VARCHAR (255),</a:t>
+                      </a:r>
+                    </a:p>
+                  </a:txBody>
+                  <a:tcPr/>
+                </a:tc>
+                <a:tc>
+                  <a:txBody>
+                    <a:bodyPr/>
+                    <a:lstStyle/>
+                    <a:p>
+                      <a:r>
+                        <a:rPr lang="en-US" dirty="0"/>
+                        <a:t>-</a:t>
+                      </a:r>
+                    </a:p>
+                  </a:txBody>
+                  <a:tcPr/>
+                </a:tc>
+                <a:tc>
+                  <a:txBody>
+                    <a:bodyPr/>
+                    <a:lstStyle/>
+                    <a:p>
+                      <a:r>
+                        <a:rPr lang="en-US" dirty="0"/>
+                        <a:t>01</a:t>
+                      </a:r>
+                    </a:p>
+                  </a:txBody>
+                  <a:tcPr/>
+                </a:tc>
+                <a:extLst>
+                  <a:ext uri="{0D108BD9-81ED-4DB2-BD59-A6C34878D82A}">
+                    <a16:rowId xmlns:a16="http://schemas.microsoft.com/office/drawing/2014/main" val="126559381"/>
+                  </a:ext>
+                </a:extLst>
+              </a:tr>
             </a:tbl>
           </a:graphicData>
         </a:graphic>
@@ -3964,153 +4171,80 @@
           </a:p>
         </p:txBody>
       </p:sp>
+      <p:sp>
+        <p:nvSpPr>
+          <p:cNvPr id="6" name="TextBox 5">
+            <a:extLst>
+              <a:ext uri="{FF2B5EF4-FFF2-40B4-BE49-F238E27FC236}">
+                <a16:creationId xmlns:a16="http://schemas.microsoft.com/office/drawing/2014/main" id="{44F3F1E9-3A00-2439-B1B2-2E325C118D6C}"/>
+              </a:ext>
+            </a:extLst>
+          </p:cNvPr>
+          <p:cNvSpPr txBox="1"/>
+          <p:nvPr/>
+        </p:nvSpPr>
+        <p:spPr>
+          <a:xfrm>
+            <a:off x="5257800" y="952024"/>
+            <a:ext cx="6096000" cy="1477328"/>
+          </a:xfrm>
+          <a:prstGeom prst="rect">
+            <a:avLst/>
+          </a:prstGeom>
+          <a:noFill/>
+        </p:spPr>
+        <p:txBody>
+          <a:bodyPr wrap="square">
+            <a:spAutoFit/>
+          </a:bodyPr>
+          <a:lstStyle/>
+          <a:p>
+            <a:r>
+              <a:rPr lang="en-US" dirty="0">
+                <a:effectLst/>
+              </a:rPr>
+              <a:t>VARCHAR (255),</a:t>
+            </a:r>
+          </a:p>
+          <a:p>
+            <a:r>
+              <a:rPr lang="en-US" dirty="0">
+                <a:effectLst/>
+              </a:rPr>
+              <a:t>pictures TEXT,</a:t>
+            </a:r>
+          </a:p>
+          <a:p>
+            <a:r>
+              <a:rPr lang="en-US" dirty="0">
+                <a:effectLst/>
+              </a:rPr>
+              <a:t>TEXT,</a:t>
+            </a:r>
+          </a:p>
+          <a:p>
+            <a:r>
+              <a:rPr lang="en-US" dirty="0">
+                <a:effectLst/>
+              </a:rPr>
+              <a:t>category VARCHAR (255),</a:t>
+            </a:r>
+          </a:p>
+          <a:p>
+            <a:r>
+              <a:rPr lang="en-US" dirty="0">
+                <a:effectLst/>
+              </a:rPr>
+              <a:t>status VARCHAR (255),</a:t>
+            </a:r>
+            <a:endParaRPr lang="en-US" dirty="0"/>
+          </a:p>
+        </p:txBody>
+      </p:sp>
     </p:spTree>
     <p:extLst>
       <p:ext uri="{BB962C8B-B14F-4D97-AF65-F5344CB8AC3E}">
         <p14:creationId xmlns:p14="http://schemas.microsoft.com/office/powerpoint/2010/main" val="1466535319"/>
-      </p:ext>
-    </p:extLst>
-  </p:cSld>
-  <p:clrMapOvr>
-    <a:masterClrMapping/>
-  </p:clrMapOvr>
-</p:sld>
-</file>
-
-<file path=ppt/slides/slide3.xml><?xml version="1.0" encoding="utf-8"?>
-<p:sld xmlns:a="http://schemas.openxmlformats.org/drawingml/2006/main" xmlns:r="http://schemas.openxmlformats.org/officeDocument/2006/relationships" xmlns:p="http://schemas.openxmlformats.org/presentationml/2006/main">
-  <p:cSld>
-    <p:spTree>
-      <p:nvGrpSpPr>
-        <p:cNvPr id="1" name=""/>
-        <p:cNvGrpSpPr/>
-        <p:nvPr/>
-      </p:nvGrpSpPr>
-      <p:grpSpPr>
-        <a:xfrm>
-          <a:off x="0" y="0"/>
-          <a:ext cx="0" cy="0"/>
-          <a:chOff x="0" y="0"/>
-          <a:chExt cx="0" cy="0"/>
-        </a:xfrm>
-      </p:grpSpPr>
-      <p:sp>
-        <p:nvSpPr>
-          <p:cNvPr id="2" name="Title 1">
-            <a:extLst>
-              <a:ext uri="{FF2B5EF4-FFF2-40B4-BE49-F238E27FC236}">
-                <a16:creationId xmlns:a16="http://schemas.microsoft.com/office/drawing/2014/main" id="{CFCCE377-B50C-4DA9-9853-FE9F59C9C798}"/>
-              </a:ext>
-            </a:extLst>
-          </p:cNvPr>
-          <p:cNvSpPr>
-            <a:spLocks noGrp="1"/>
-          </p:cNvSpPr>
-          <p:nvPr>
-            <p:ph type="title"/>
-          </p:nvPr>
-        </p:nvSpPr>
-        <p:spPr/>
-        <p:txBody>
-          <a:bodyPr/>
-          <a:lstStyle/>
-          <a:p>
-            <a:r>
-              <a:rPr lang="th-TH" dirty="0"/>
-              <a:t>ส่วนที่เพิ่มเติมจาก </a:t>
-            </a:r>
-            <a:r>
-              <a:rPr lang="en-US" dirty="0"/>
-              <a:t>Project </a:t>
-            </a:r>
-            <a:r>
-              <a:rPr lang="th-TH" dirty="0"/>
-              <a:t>ตั้งต้น (ถ้ามี)</a:t>
-            </a:r>
-            <a:endParaRPr lang="en-US" dirty="0"/>
-          </a:p>
-        </p:txBody>
-      </p:sp>
-      <p:sp>
-        <p:nvSpPr>
-          <p:cNvPr id="3" name="Content Placeholder 2">
-            <a:extLst>
-              <a:ext uri="{FF2B5EF4-FFF2-40B4-BE49-F238E27FC236}">
-                <a16:creationId xmlns:a16="http://schemas.microsoft.com/office/drawing/2014/main" id="{41F09DAC-ADA3-428C-833D-65C329A5466C}"/>
-              </a:ext>
-            </a:extLst>
-          </p:cNvPr>
-          <p:cNvSpPr>
-            <a:spLocks noGrp="1"/>
-          </p:cNvSpPr>
-          <p:nvPr>
-            <p:ph idx="1"/>
-          </p:nvPr>
-        </p:nvSpPr>
-        <p:spPr/>
-        <p:txBody>
-          <a:bodyPr/>
-          <a:lstStyle/>
-          <a:p>
-            <a:pPr marL="514350" indent="-514350">
-              <a:buFont typeface="+mj-lt"/>
-              <a:buAutoNum type="arabicPeriod"/>
-            </a:pPr>
-            <a:r>
-              <a:rPr lang="en-US" dirty="0"/>
-              <a:t>Feature </a:t>
-            </a:r>
-            <a:r>
-              <a:rPr lang="th-TH" dirty="0"/>
-              <a:t>ที่ </a:t>
-            </a:r>
-            <a:r>
-              <a:rPr lang="en-US" dirty="0"/>
-              <a:t>1</a:t>
-            </a:r>
-          </a:p>
-          <a:p>
-            <a:pPr marL="514350" indent="-514350">
-              <a:buFont typeface="+mj-lt"/>
-              <a:buAutoNum type="arabicPeriod"/>
-            </a:pPr>
-            <a:r>
-              <a:rPr lang="en-US" dirty="0"/>
-              <a:t>Feature </a:t>
-            </a:r>
-            <a:r>
-              <a:rPr lang="th-TH" dirty="0"/>
-              <a:t>ที่</a:t>
-            </a:r>
-            <a:r>
-              <a:rPr lang="en-US" dirty="0"/>
-              <a:t> 2</a:t>
-            </a:r>
-          </a:p>
-          <a:p>
-            <a:pPr marL="514350" indent="-514350">
-              <a:buFont typeface="+mj-lt"/>
-              <a:buAutoNum type="arabicPeriod"/>
-            </a:pPr>
-            <a:r>
-              <a:rPr lang="en-US" dirty="0"/>
-              <a:t>Feature </a:t>
-            </a:r>
-            <a:r>
-              <a:rPr lang="th-TH" dirty="0"/>
-              <a:t>ที่</a:t>
-            </a:r>
-            <a:r>
-              <a:rPr lang="en-US" dirty="0"/>
-              <a:t> 3</a:t>
-            </a:r>
-          </a:p>
-        </p:txBody>
-      </p:sp>
-    </p:spTree>
-    <p:extLst>
-      <p:ext uri="{BB962C8B-B14F-4D97-AF65-F5344CB8AC3E}">
-        <p14:creationId xmlns:p14="http://schemas.microsoft.com/office/powerpoint/2010/main" val="3889300871"/>
       </p:ext>
     </p:extLst>
   </p:cSld>
